--- a/Class/VR수업2차_GVR.pptx
+++ b/Class/VR수업2차_GVR.pptx
@@ -9,9 +9,14 @@
     <p:sldId id="270" r:id="rId3"/>
     <p:sldId id="271" r:id="rId4"/>
     <p:sldId id="272" r:id="rId5"/>
-    <p:sldId id="273" r:id="rId6"/>
-    <p:sldId id="274" r:id="rId7"/>
-    <p:sldId id="269" r:id="rId8"/>
+    <p:sldId id="278" r:id="rId6"/>
+    <p:sldId id="273" r:id="rId7"/>
+    <p:sldId id="274" r:id="rId8"/>
+    <p:sldId id="275" r:id="rId9"/>
+    <p:sldId id="277" r:id="rId10"/>
+    <p:sldId id="276" r:id="rId11"/>
+    <p:sldId id="279" r:id="rId12"/>
+    <p:sldId id="269" r:id="rId13"/>
   </p:sldIdLst>
   <p:sldSz cx="12192000" cy="6858000"/>
   <p:notesSz cx="6858000" cy="9144000"/>
@@ -249,7 +254,7 @@
           <a:p>
             <a:fld id="{782E21D0-71D6-43F0-9DFF-D506A009DE11}" type="datetimeFigureOut">
               <a:rPr lang="ko-KR" altLang="en-US" smtClean="0"/>
-              <a:t>2018-11-19</a:t>
+              <a:t>2018-11-22</a:t>
             </a:fld>
             <a:endParaRPr lang="ko-KR" altLang="en-US"/>
           </a:p>
@@ -419,7 +424,7 @@
           <a:p>
             <a:fld id="{782E21D0-71D6-43F0-9DFF-D506A009DE11}" type="datetimeFigureOut">
               <a:rPr lang="ko-KR" altLang="en-US" smtClean="0"/>
-              <a:t>2018-11-19</a:t>
+              <a:t>2018-11-22</a:t>
             </a:fld>
             <a:endParaRPr lang="ko-KR" altLang="en-US"/>
           </a:p>
@@ -599,7 +604,7 @@
           <a:p>
             <a:fld id="{782E21D0-71D6-43F0-9DFF-D506A009DE11}" type="datetimeFigureOut">
               <a:rPr lang="ko-KR" altLang="en-US" smtClean="0"/>
-              <a:t>2018-11-19</a:t>
+              <a:t>2018-11-22</a:t>
             </a:fld>
             <a:endParaRPr lang="ko-KR" altLang="en-US"/>
           </a:p>
@@ -769,7 +774,7 @@
           <a:p>
             <a:fld id="{782E21D0-71D6-43F0-9DFF-D506A009DE11}" type="datetimeFigureOut">
               <a:rPr lang="ko-KR" altLang="en-US" smtClean="0"/>
-              <a:t>2018-11-19</a:t>
+              <a:t>2018-11-22</a:t>
             </a:fld>
             <a:endParaRPr lang="ko-KR" altLang="en-US"/>
           </a:p>
@@ -1015,7 +1020,7 @@
           <a:p>
             <a:fld id="{782E21D0-71D6-43F0-9DFF-D506A009DE11}" type="datetimeFigureOut">
               <a:rPr lang="ko-KR" altLang="en-US" smtClean="0"/>
-              <a:t>2018-11-19</a:t>
+              <a:t>2018-11-22</a:t>
             </a:fld>
             <a:endParaRPr lang="ko-KR" altLang="en-US"/>
           </a:p>
@@ -1247,7 +1252,7 @@
           <a:p>
             <a:fld id="{782E21D0-71D6-43F0-9DFF-D506A009DE11}" type="datetimeFigureOut">
               <a:rPr lang="ko-KR" altLang="en-US" smtClean="0"/>
-              <a:t>2018-11-19</a:t>
+              <a:t>2018-11-22</a:t>
             </a:fld>
             <a:endParaRPr lang="ko-KR" altLang="en-US"/>
           </a:p>
@@ -1614,7 +1619,7 @@
           <a:p>
             <a:fld id="{782E21D0-71D6-43F0-9DFF-D506A009DE11}" type="datetimeFigureOut">
               <a:rPr lang="ko-KR" altLang="en-US" smtClean="0"/>
-              <a:t>2018-11-19</a:t>
+              <a:t>2018-11-22</a:t>
             </a:fld>
             <a:endParaRPr lang="ko-KR" altLang="en-US"/>
           </a:p>
@@ -1732,7 +1737,7 @@
           <a:p>
             <a:fld id="{782E21D0-71D6-43F0-9DFF-D506A009DE11}" type="datetimeFigureOut">
               <a:rPr lang="ko-KR" altLang="en-US" smtClean="0"/>
-              <a:t>2018-11-19</a:t>
+              <a:t>2018-11-22</a:t>
             </a:fld>
             <a:endParaRPr lang="ko-KR" altLang="en-US"/>
           </a:p>
@@ -1827,7 +1832,7 @@
           <a:p>
             <a:fld id="{782E21D0-71D6-43F0-9DFF-D506A009DE11}" type="datetimeFigureOut">
               <a:rPr lang="ko-KR" altLang="en-US" smtClean="0"/>
-              <a:t>2018-11-19</a:t>
+              <a:t>2018-11-22</a:t>
             </a:fld>
             <a:endParaRPr lang="ko-KR" altLang="en-US"/>
           </a:p>
@@ -2104,7 +2109,7 @@
           <a:p>
             <a:fld id="{782E21D0-71D6-43F0-9DFF-D506A009DE11}" type="datetimeFigureOut">
               <a:rPr lang="ko-KR" altLang="en-US" smtClean="0"/>
-              <a:t>2018-11-19</a:t>
+              <a:t>2018-11-22</a:t>
             </a:fld>
             <a:endParaRPr lang="ko-KR" altLang="en-US"/>
           </a:p>
@@ -2357,7 +2362,7 @@
           <a:p>
             <a:fld id="{782E21D0-71D6-43F0-9DFF-D506A009DE11}" type="datetimeFigureOut">
               <a:rPr lang="ko-KR" altLang="en-US" smtClean="0"/>
-              <a:t>2018-11-19</a:t>
+              <a:t>2018-11-22</a:t>
             </a:fld>
             <a:endParaRPr lang="ko-KR" altLang="en-US"/>
           </a:p>
@@ -2570,7 +2575,7 @@
           <a:p>
             <a:fld id="{782E21D0-71D6-43F0-9DFF-D506A009DE11}" type="datetimeFigureOut">
               <a:rPr lang="ko-KR" altLang="en-US" smtClean="0"/>
-              <a:t>2018-11-19</a:t>
+              <a:t>2018-11-22</a:t>
             </a:fld>
             <a:endParaRPr lang="ko-KR" altLang="en-US"/>
           </a:p>
@@ -3062,6 +3067,281 @@
 </p:sld>
 </file>
 
+<file path=ppt/slides/slide10.xml><?xml version="1.0" encoding="utf-8"?>
+<p:sld xmlns:a="http://schemas.openxmlformats.org/drawingml/2006/main" xmlns:r="http://schemas.openxmlformats.org/officeDocument/2006/relationships" xmlns:p="http://schemas.openxmlformats.org/presentationml/2006/main">
+  <p:cSld>
+    <p:spTree>
+      <p:nvGrpSpPr>
+        <p:cNvPr id="1" name=""/>
+        <p:cNvGrpSpPr/>
+        <p:nvPr/>
+      </p:nvGrpSpPr>
+      <p:grpSpPr>
+        <a:xfrm>
+          <a:off x="0" y="0"/>
+          <a:ext cx="0" cy="0"/>
+          <a:chOff x="0" y="0"/>
+          <a:chExt cx="0" cy="0"/>
+        </a:xfrm>
+      </p:grpSpPr>
+      <p:sp>
+        <p:nvSpPr>
+          <p:cNvPr id="2" name="제목 1"/>
+          <p:cNvSpPr>
+            <a:spLocks noGrp="1"/>
+          </p:cNvSpPr>
+          <p:nvPr>
+            <p:ph type="title"/>
+          </p:nvPr>
+        </p:nvSpPr>
+        <p:spPr/>
+        <p:txBody>
+          <a:bodyPr/>
+          <a:lstStyle/>
+          <a:p>
+            <a:r>
+              <a:rPr lang="en-US" altLang="ko-KR" dirty="0" smtClean="0"/>
+              <a:t>VR</a:t>
+            </a:r>
+            <a:r>
+              <a:rPr lang="ko-KR" altLang="en-US" dirty="0" smtClean="0"/>
+              <a:t>용 </a:t>
+            </a:r>
+            <a:r>
+              <a:rPr lang="en-US" altLang="ko-KR" dirty="0" smtClean="0"/>
+              <a:t>UI Button </a:t>
+            </a:r>
+            <a:r>
+              <a:rPr lang="ko-KR" altLang="en-US" dirty="0" smtClean="0"/>
+              <a:t>제작</a:t>
+            </a:r>
+            <a:endParaRPr lang="ko-KR" altLang="en-US" dirty="0"/>
+          </a:p>
+        </p:txBody>
+      </p:sp>
+      <p:sp>
+        <p:nvSpPr>
+          <p:cNvPr id="3" name="내용 개체 틀 2"/>
+          <p:cNvSpPr>
+            <a:spLocks noGrp="1"/>
+          </p:cNvSpPr>
+          <p:nvPr>
+            <p:ph idx="1"/>
+          </p:nvPr>
+        </p:nvSpPr>
+        <p:spPr/>
+        <p:txBody>
+          <a:bodyPr/>
+          <a:lstStyle/>
+          <a:p>
+            <a:r>
+              <a:rPr lang="ko-KR" altLang="en-US" dirty="0" smtClean="0"/>
+              <a:t>위에 </a:t>
+            </a:r>
+            <a:r>
+              <a:rPr lang="en-US" altLang="ko-KR" dirty="0" smtClean="0"/>
+              <a:t>Overlay Canvas </a:t>
+            </a:r>
+            <a:r>
+              <a:rPr lang="ko-KR" altLang="en-US" dirty="0" smtClean="0"/>
+              <a:t>응용</a:t>
+            </a:r>
+            <a:endParaRPr lang="ko-KR" altLang="en-US" dirty="0"/>
+          </a:p>
+        </p:txBody>
+      </p:sp>
+    </p:spTree>
+    <p:extLst>
+      <p:ext uri="{BB962C8B-B14F-4D97-AF65-F5344CB8AC3E}">
+        <p14:creationId xmlns:p14="http://schemas.microsoft.com/office/powerpoint/2010/main" val="1286173760"/>
+      </p:ext>
+    </p:extLst>
+  </p:cSld>
+  <p:clrMapOvr>
+    <a:masterClrMapping/>
+  </p:clrMapOvr>
+</p:sld>
+</file>
+
+<file path=ppt/slides/slide11.xml><?xml version="1.0" encoding="utf-8"?>
+<p:sld xmlns:a="http://schemas.openxmlformats.org/drawingml/2006/main" xmlns:r="http://schemas.openxmlformats.org/officeDocument/2006/relationships" xmlns:p="http://schemas.openxmlformats.org/presentationml/2006/main">
+  <p:cSld>
+    <p:spTree>
+      <p:nvGrpSpPr>
+        <p:cNvPr id="1" name=""/>
+        <p:cNvGrpSpPr/>
+        <p:nvPr/>
+      </p:nvGrpSpPr>
+      <p:grpSpPr>
+        <a:xfrm>
+          <a:off x="0" y="0"/>
+          <a:ext cx="0" cy="0"/>
+          <a:chOff x="0" y="0"/>
+          <a:chExt cx="0" cy="0"/>
+        </a:xfrm>
+      </p:grpSpPr>
+      <p:sp>
+        <p:nvSpPr>
+          <p:cNvPr id="2" name="제목 1"/>
+          <p:cNvSpPr>
+            <a:spLocks noGrp="1"/>
+          </p:cNvSpPr>
+          <p:nvPr>
+            <p:ph type="title"/>
+          </p:nvPr>
+        </p:nvSpPr>
+        <p:spPr/>
+        <p:txBody>
+          <a:bodyPr/>
+          <a:lstStyle/>
+          <a:p>
+            <a:r>
+              <a:rPr lang="en-US" altLang="ko-KR" dirty="0" smtClean="0"/>
+              <a:t>VR</a:t>
+            </a:r>
+            <a:r>
+              <a:rPr lang="ko-KR" altLang="en-US" dirty="0"/>
+              <a:t> </a:t>
+            </a:r>
+            <a:r>
+              <a:rPr lang="en-US" altLang="ko-KR" dirty="0" smtClean="0"/>
+              <a:t>Camera Event </a:t>
+            </a:r>
+            <a:r>
+              <a:rPr lang="ko-KR" altLang="en-US" dirty="0" smtClean="0"/>
+              <a:t>구현</a:t>
+            </a:r>
+            <a:endParaRPr lang="ko-KR" altLang="en-US" dirty="0"/>
+          </a:p>
+        </p:txBody>
+      </p:sp>
+      <p:sp>
+        <p:nvSpPr>
+          <p:cNvPr id="3" name="내용 개체 틀 2"/>
+          <p:cNvSpPr>
+            <a:spLocks noGrp="1"/>
+          </p:cNvSpPr>
+          <p:nvPr>
+            <p:ph idx="1"/>
+          </p:nvPr>
+        </p:nvSpPr>
+        <p:spPr/>
+        <p:txBody>
+          <a:bodyPr/>
+          <a:lstStyle/>
+          <a:p>
+            <a:r>
+              <a:rPr lang="en-US" altLang="ko-KR" dirty="0" err="1" smtClean="0"/>
+              <a:t>RayCast</a:t>
+            </a:r>
+            <a:r>
+              <a:rPr lang="ko-KR" altLang="en-US" dirty="0" smtClean="0"/>
+              <a:t>를 이용해서 </a:t>
+            </a:r>
+            <a:r>
+              <a:rPr lang="ko-KR" altLang="en-US" dirty="0" err="1" smtClean="0"/>
+              <a:t>구현해야함</a:t>
+            </a:r>
+            <a:endParaRPr lang="en-US" altLang="ko-KR" dirty="0" smtClean="0"/>
+          </a:p>
+          <a:p>
+            <a:r>
+              <a:rPr lang="ko-KR" altLang="en-US" dirty="0" smtClean="0"/>
+              <a:t>특정 오브젝트를 바라보면 이벤트 작동</a:t>
+            </a:r>
+            <a:endParaRPr lang="en-US" altLang="ko-KR" dirty="0" smtClean="0"/>
+          </a:p>
+        </p:txBody>
+      </p:sp>
+    </p:spTree>
+    <p:extLst>
+      <p:ext uri="{BB962C8B-B14F-4D97-AF65-F5344CB8AC3E}">
+        <p14:creationId xmlns:p14="http://schemas.microsoft.com/office/powerpoint/2010/main" val="1363713272"/>
+      </p:ext>
+    </p:extLst>
+  </p:cSld>
+  <p:clrMapOvr>
+    <a:masterClrMapping/>
+  </p:clrMapOvr>
+</p:sld>
+</file>
+
+<file path=ppt/slides/slide12.xml><?xml version="1.0" encoding="utf-8"?>
+<p:sld xmlns:a="http://schemas.openxmlformats.org/drawingml/2006/main" xmlns:r="http://schemas.openxmlformats.org/officeDocument/2006/relationships" xmlns:p="http://schemas.openxmlformats.org/presentationml/2006/main">
+  <p:cSld>
+    <p:spTree>
+      <p:nvGrpSpPr>
+        <p:cNvPr id="1" name=""/>
+        <p:cNvGrpSpPr/>
+        <p:nvPr/>
+      </p:nvGrpSpPr>
+      <p:grpSpPr>
+        <a:xfrm>
+          <a:off x="0" y="0"/>
+          <a:ext cx="0" cy="0"/>
+          <a:chOff x="0" y="0"/>
+          <a:chExt cx="0" cy="0"/>
+        </a:xfrm>
+      </p:grpSpPr>
+      <p:sp>
+        <p:nvSpPr>
+          <p:cNvPr id="2" name="제목 1"/>
+          <p:cNvSpPr>
+            <a:spLocks noGrp="1"/>
+          </p:cNvSpPr>
+          <p:nvPr>
+            <p:ph type="ctrTitle"/>
+          </p:nvPr>
+        </p:nvSpPr>
+        <p:spPr/>
+        <p:txBody>
+          <a:bodyPr/>
+          <a:lstStyle/>
+          <a:p>
+            <a:r>
+              <a:rPr lang="ko-KR" altLang="en-US" dirty="0" smtClean="0"/>
+              <a:t>끝</a:t>
+            </a:r>
+            <a:endParaRPr lang="ko-KR" altLang="en-US" dirty="0"/>
+          </a:p>
+        </p:txBody>
+      </p:sp>
+      <p:sp>
+        <p:nvSpPr>
+          <p:cNvPr id="3" name="부제목 2"/>
+          <p:cNvSpPr>
+            <a:spLocks noGrp="1"/>
+          </p:cNvSpPr>
+          <p:nvPr>
+            <p:ph type="subTitle" idx="1"/>
+          </p:nvPr>
+        </p:nvSpPr>
+        <p:spPr/>
+        <p:txBody>
+          <a:bodyPr/>
+          <a:lstStyle/>
+          <a:p>
+            <a:r>
+              <a:rPr lang="ko-KR" altLang="en-US" dirty="0" err="1" smtClean="0"/>
+              <a:t>집가자</a:t>
+            </a:r>
+            <a:endParaRPr lang="ko-KR" altLang="en-US" dirty="0"/>
+          </a:p>
+        </p:txBody>
+      </p:sp>
+    </p:spTree>
+    <p:extLst>
+      <p:ext uri="{BB962C8B-B14F-4D97-AF65-F5344CB8AC3E}">
+        <p14:creationId xmlns:p14="http://schemas.microsoft.com/office/powerpoint/2010/main" val="3430480268"/>
+      </p:ext>
+    </p:extLst>
+  </p:cSld>
+  <p:clrMapOvr>
+    <a:masterClrMapping/>
+  </p:clrMapOvr>
+</p:sld>
+</file>
+
 <file path=ppt/slides/slide2.xml><?xml version="1.0" encoding="utf-8"?>
 <p:sld xmlns:a="http://schemas.openxmlformats.org/drawingml/2006/main" xmlns:r="http://schemas.openxmlformats.org/officeDocument/2006/relationships" xmlns:p="http://schemas.openxmlformats.org/presentationml/2006/main">
   <p:cSld>
@@ -3398,35 +3678,88 @@
             <a:spLocks noGrp="1"/>
           </p:cNvSpPr>
           <p:nvPr>
-            <p:ph type="ctrTitle"/>
-          </p:nvPr>
-        </p:nvSpPr>
-        <p:spPr>
-          <a:xfrm>
-            <a:off x="1567961" y="2010386"/>
-            <a:ext cx="9144000" cy="2387600"/>
-          </a:xfrm>
-        </p:spPr>
-        <p:txBody>
-          <a:bodyPr/>
-          <a:lstStyle/>
-          <a:p>
+            <p:ph type="title"/>
+          </p:nvPr>
+        </p:nvSpPr>
+        <p:spPr/>
+        <p:txBody>
+          <a:bodyPr/>
+          <a:lstStyle/>
+          <a:p>
+            <a:r>
+              <a:rPr lang="ko-KR" altLang="en-US" dirty="0" err="1" smtClean="0"/>
+              <a:t>깃허브</a:t>
+            </a:r>
             <a:r>
               <a:rPr lang="ko-KR" altLang="en-US" dirty="0" smtClean="0"/>
-              <a:t>과제로 해오라고 한 프로젝트 열기 </a:t>
+              <a:t> </a:t>
             </a:r>
             <a:r>
               <a:rPr lang="ko-KR" altLang="en-US" dirty="0" err="1" smtClean="0"/>
-              <a:t>ㄱㄱ</a:t>
+              <a:t>제로픈</a:t>
+            </a:r>
+            <a:r>
+              <a:rPr lang="en-US" altLang="ko-KR" dirty="0" smtClean="0"/>
+              <a:t>VR</a:t>
+            </a:r>
+            <a:r>
+              <a:rPr lang="en-US" altLang="ko-KR" dirty="0" smtClean="0"/>
+              <a:t>AR</a:t>
+            </a:r>
+            <a:r>
+              <a:rPr lang="ko-KR" altLang="en-US" dirty="0" smtClean="0"/>
+              <a:t>수업 그룹 가입</a:t>
             </a:r>
             <a:endParaRPr lang="ko-KR" altLang="en-US" dirty="0"/>
+          </a:p>
+        </p:txBody>
+      </p:sp>
+      <p:sp>
+        <p:nvSpPr>
+          <p:cNvPr id="3" name="내용 개체 틀 2"/>
+          <p:cNvSpPr>
+            <a:spLocks noGrp="1"/>
+          </p:cNvSpPr>
+          <p:nvPr>
+            <p:ph idx="1"/>
+          </p:nvPr>
+        </p:nvSpPr>
+        <p:spPr/>
+        <p:txBody>
+          <a:bodyPr/>
+          <a:lstStyle/>
+          <a:p>
+            <a:r>
+              <a:rPr lang="ko-KR" altLang="en-US" dirty="0" err="1" smtClean="0"/>
+              <a:t>가입때</a:t>
+            </a:r>
+            <a:r>
+              <a:rPr lang="ko-KR" altLang="en-US" dirty="0" smtClean="0"/>
+              <a:t> 쓴 이메일 주소 </a:t>
+            </a:r>
+            <a:r>
+              <a:rPr lang="ko-KR" altLang="en-US" dirty="0" err="1" smtClean="0"/>
+              <a:t>카톡으로</a:t>
+            </a:r>
+            <a:r>
+              <a:rPr lang="ko-KR" altLang="en-US" dirty="0" smtClean="0"/>
+              <a:t> 보내고</a:t>
+            </a:r>
+            <a:endParaRPr lang="en-US" altLang="ko-KR" dirty="0" smtClean="0"/>
+          </a:p>
+          <a:p>
+            <a:r>
+              <a:rPr lang="ko-KR" altLang="en-US" dirty="0" smtClean="0"/>
+              <a:t>이메일로 초대장 오면 들어오면 댐</a:t>
+            </a:r>
+            <a:endParaRPr lang="en-US" altLang="ko-KR" dirty="0"/>
           </a:p>
         </p:txBody>
       </p:sp>
     </p:spTree>
     <p:extLst>
       <p:ext uri="{BB962C8B-B14F-4D97-AF65-F5344CB8AC3E}">
-        <p14:creationId xmlns:p14="http://schemas.microsoft.com/office/powerpoint/2010/main" val="2690101197"/>
+        <p14:creationId xmlns:p14="http://schemas.microsoft.com/office/powerpoint/2010/main" val="320391131"/>
       </p:ext>
     </p:extLst>
   </p:cSld>
@@ -3460,41 +3793,27 @@
             <a:spLocks noGrp="1"/>
           </p:cNvSpPr>
           <p:nvPr>
-            <p:ph type="title"/>
-          </p:nvPr>
-        </p:nvSpPr>
-        <p:spPr/>
+            <p:ph type="ctrTitle"/>
+          </p:nvPr>
+        </p:nvSpPr>
+        <p:spPr>
+          <a:xfrm>
+            <a:off x="1567961" y="2010386"/>
+            <a:ext cx="9144000" cy="2387600"/>
+          </a:xfrm>
+        </p:spPr>
         <p:txBody>
           <a:bodyPr/>
           <a:lstStyle/>
           <a:p>
             <a:r>
               <a:rPr lang="ko-KR" altLang="en-US" dirty="0" smtClean="0"/>
-              <a:t>카메라 생성</a:t>
-            </a:r>
-            <a:r>
-              <a:rPr lang="en-US" altLang="ko-KR" dirty="0" smtClean="0"/>
-              <a:t>, </a:t>
-            </a:r>
-            <a:endParaRPr lang="ko-KR" altLang="en-US" dirty="0"/>
-          </a:p>
-        </p:txBody>
-      </p:sp>
-      <p:sp>
-        <p:nvSpPr>
-          <p:cNvPr id="3" name="내용 개체 틀 2"/>
-          <p:cNvSpPr>
-            <a:spLocks noGrp="1"/>
-          </p:cNvSpPr>
-          <p:nvPr>
-            <p:ph idx="1"/>
-          </p:nvPr>
-        </p:nvSpPr>
-        <p:spPr/>
-        <p:txBody>
-          <a:bodyPr/>
-          <a:lstStyle/>
-          <a:p>
+              <a:t>과제로 해오라고 한 프로젝트 열기 </a:t>
+            </a:r>
+            <a:r>
+              <a:rPr lang="ko-KR" altLang="en-US" dirty="0" err="1" smtClean="0"/>
+              <a:t>ㄱㄱ</a:t>
+            </a:r>
             <a:endParaRPr lang="ko-KR" altLang="en-US" dirty="0"/>
           </a:p>
         </p:txBody>
@@ -3502,7 +3821,7 @@
     </p:spTree>
     <p:extLst>
       <p:ext uri="{BB962C8B-B14F-4D97-AF65-F5344CB8AC3E}">
-        <p14:creationId xmlns:p14="http://schemas.microsoft.com/office/powerpoint/2010/main" val="11064210"/>
+        <p14:creationId xmlns:p14="http://schemas.microsoft.com/office/powerpoint/2010/main" val="2690101197"/>
       </p:ext>
     </p:extLst>
   </p:cSld>
@@ -3536,7 +3855,7 @@
             <a:spLocks noGrp="1"/>
           </p:cNvSpPr>
           <p:nvPr>
-            <p:ph type="ctrTitle"/>
+            <p:ph type="title"/>
           </p:nvPr>
         </p:nvSpPr>
         <p:spPr/>
@@ -3546,7 +3865,7 @@
           <a:p>
             <a:r>
               <a:rPr lang="ko-KR" altLang="en-US" dirty="0" smtClean="0"/>
-              <a:t>끝</a:t>
+              <a:t>카메라 생성</a:t>
             </a:r>
             <a:endParaRPr lang="ko-KR" altLang="en-US" dirty="0"/>
           </a:p>
@@ -3554,12 +3873,12 @@
       </p:sp>
       <p:sp>
         <p:nvSpPr>
-          <p:cNvPr id="3" name="부제목 2"/>
-          <p:cNvSpPr>
-            <a:spLocks noGrp="1"/>
-          </p:cNvSpPr>
-          <p:nvPr>
-            <p:ph type="subTitle" idx="1"/>
+          <p:cNvPr id="3" name="내용 개체 틀 2"/>
+          <p:cNvSpPr>
+            <a:spLocks noGrp="1"/>
+          </p:cNvSpPr>
+          <p:nvPr>
+            <p:ph idx="1"/>
           </p:nvPr>
         </p:nvSpPr>
         <p:spPr/>
@@ -3569,7 +3888,7 @@
           <a:p>
             <a:r>
               <a:rPr lang="ko-KR" altLang="en-US" dirty="0" err="1" smtClean="0"/>
-              <a:t>집가자</a:t>
+              <a:t>개쉬움</a:t>
             </a:r>
             <a:endParaRPr lang="ko-KR" altLang="en-US" dirty="0"/>
           </a:p>
@@ -3578,7 +3897,360 @@
     </p:spTree>
     <p:extLst>
       <p:ext uri="{BB962C8B-B14F-4D97-AF65-F5344CB8AC3E}">
-        <p14:creationId xmlns:p14="http://schemas.microsoft.com/office/powerpoint/2010/main" val="3430480268"/>
+        <p14:creationId xmlns:p14="http://schemas.microsoft.com/office/powerpoint/2010/main" val="11064210"/>
+      </p:ext>
+    </p:extLst>
+  </p:cSld>
+  <p:clrMapOvr>
+    <a:masterClrMapping/>
+  </p:clrMapOvr>
+</p:sld>
+</file>
+
+<file path=ppt/slides/slide8.xml><?xml version="1.0" encoding="utf-8"?>
+<p:sld xmlns:a="http://schemas.openxmlformats.org/drawingml/2006/main" xmlns:r="http://schemas.openxmlformats.org/officeDocument/2006/relationships" xmlns:p="http://schemas.openxmlformats.org/presentationml/2006/main">
+  <p:cSld>
+    <p:spTree>
+      <p:nvGrpSpPr>
+        <p:cNvPr id="1" name=""/>
+        <p:cNvGrpSpPr/>
+        <p:nvPr/>
+      </p:nvGrpSpPr>
+      <p:grpSpPr>
+        <a:xfrm>
+          <a:off x="0" y="0"/>
+          <a:ext cx="0" cy="0"/>
+          <a:chOff x="0" y="0"/>
+          <a:chExt cx="0" cy="0"/>
+        </a:xfrm>
+      </p:grpSpPr>
+      <p:pic>
+        <p:nvPicPr>
+          <p:cNvPr id="4" name="그림 3"/>
+          <p:cNvPicPr>
+            <a:picLocks noChangeAspect="1"/>
+          </p:cNvPicPr>
+          <p:nvPr/>
+        </p:nvPicPr>
+        <p:blipFill>
+          <a:blip r:embed="rId2">
+            <a:extLst>
+              <a:ext uri="{28A0092B-C50C-407E-A947-70E740481C1C}">
+                <a14:useLocalDpi xmlns:a14="http://schemas.microsoft.com/office/drawing/2010/main" val="0"/>
+              </a:ext>
+            </a:extLst>
+          </a:blip>
+          <a:stretch>
+            <a:fillRect/>
+          </a:stretch>
+        </p:blipFill>
+        <p:spPr>
+          <a:xfrm>
+            <a:off x="3194093" y="2551904"/>
+            <a:ext cx="5803814" cy="4151863"/>
+          </a:xfrm>
+          <a:prstGeom prst="rect">
+            <a:avLst/>
+          </a:prstGeom>
+        </p:spPr>
+      </p:pic>
+      <p:sp>
+        <p:nvSpPr>
+          <p:cNvPr id="2" name="제목 1"/>
+          <p:cNvSpPr>
+            <a:spLocks noGrp="1"/>
+          </p:cNvSpPr>
+          <p:nvPr>
+            <p:ph type="title"/>
+          </p:nvPr>
+        </p:nvSpPr>
+        <p:spPr/>
+        <p:txBody>
+          <a:bodyPr/>
+          <a:lstStyle/>
+          <a:p>
+            <a:r>
+              <a:rPr lang="en-US" altLang="ko-KR" dirty="0" smtClean="0"/>
+              <a:t>VR</a:t>
+            </a:r>
+            <a:r>
+              <a:rPr lang="ko-KR" altLang="en-US" dirty="0" smtClean="0"/>
+              <a:t>용 </a:t>
+            </a:r>
+            <a:r>
+              <a:rPr lang="en-US" altLang="ko-KR" dirty="0" smtClean="0"/>
+              <a:t>Overlay UI </a:t>
+            </a:r>
+            <a:r>
+              <a:rPr lang="ko-KR" altLang="en-US" dirty="0" smtClean="0"/>
+              <a:t>제작 </a:t>
+            </a:r>
+            <a:r>
+              <a:rPr lang="ko-KR" altLang="en-US" sz="3200" dirty="0" err="1" smtClean="0"/>
+              <a:t>하기전에</a:t>
+            </a:r>
+            <a:r>
+              <a:rPr lang="ko-KR" altLang="en-US" sz="3200" dirty="0" smtClean="0"/>
+              <a:t> </a:t>
+            </a:r>
+            <a:r>
+              <a:rPr lang="ko-KR" altLang="en-US" sz="3200" dirty="0" err="1" smtClean="0"/>
+              <a:t>알아야할것들</a:t>
+            </a:r>
+            <a:endParaRPr lang="ko-KR" altLang="en-US" sz="3200" dirty="0"/>
+          </a:p>
+        </p:txBody>
+      </p:sp>
+      <p:sp>
+        <p:nvSpPr>
+          <p:cNvPr id="3" name="내용 개체 틀 2"/>
+          <p:cNvSpPr>
+            <a:spLocks noGrp="1"/>
+          </p:cNvSpPr>
+          <p:nvPr>
+            <p:ph idx="1"/>
+          </p:nvPr>
+        </p:nvSpPr>
+        <p:spPr/>
+        <p:txBody>
+          <a:bodyPr/>
+          <a:lstStyle/>
+          <a:p>
+            <a:r>
+              <a:rPr lang="ko-KR" altLang="en-US" dirty="0" smtClean="0"/>
+              <a:t>원래 </a:t>
+            </a:r>
+            <a:r>
+              <a:rPr lang="ko-KR" altLang="en-US" dirty="0" err="1" smtClean="0"/>
+              <a:t>하던거</a:t>
+            </a:r>
+            <a:r>
+              <a:rPr lang="ko-KR" altLang="en-US" dirty="0" smtClean="0"/>
+              <a:t> </a:t>
+            </a:r>
+            <a:r>
+              <a:rPr lang="ko-KR" altLang="en-US" dirty="0" err="1" smtClean="0"/>
+              <a:t>처럼</a:t>
+            </a:r>
+            <a:r>
+              <a:rPr lang="ko-KR" altLang="en-US" dirty="0" smtClean="0"/>
+              <a:t> 캔버스를 </a:t>
+            </a:r>
+            <a:r>
+              <a:rPr lang="en-US" altLang="ko-KR" dirty="0" smtClean="0"/>
+              <a:t>Overlay</a:t>
+            </a:r>
+            <a:r>
+              <a:rPr lang="ko-KR" altLang="en-US" dirty="0" smtClean="0"/>
+              <a:t>모드로 하면 </a:t>
+            </a:r>
+            <a:r>
+              <a:rPr lang="en-US" altLang="ko-KR" dirty="0" smtClean="0"/>
+              <a:t>UI</a:t>
+            </a:r>
+            <a:r>
+              <a:rPr lang="ko-KR" altLang="en-US" dirty="0" err="1" smtClean="0"/>
+              <a:t>왼쪽부분은</a:t>
+            </a:r>
+            <a:r>
+              <a:rPr lang="ko-KR" altLang="en-US" dirty="0" smtClean="0"/>
+              <a:t> </a:t>
+            </a:r>
+            <a:r>
+              <a:rPr lang="ko-KR" altLang="en-US" dirty="0" err="1" smtClean="0"/>
+              <a:t>왼쪽눈에만</a:t>
+            </a:r>
+            <a:r>
+              <a:rPr lang="en-US" altLang="ko-KR" dirty="0" smtClean="0"/>
+              <a:t>, </a:t>
+            </a:r>
+            <a:r>
+              <a:rPr lang="ko-KR" altLang="en-US" dirty="0" smtClean="0"/>
+              <a:t>오른쪽 부분은 오른쪽 눈에만 보임</a:t>
+            </a:r>
+            <a:endParaRPr lang="ko-KR" altLang="en-US" dirty="0"/>
+          </a:p>
+        </p:txBody>
+      </p:sp>
+    </p:spTree>
+    <p:extLst>
+      <p:ext uri="{BB962C8B-B14F-4D97-AF65-F5344CB8AC3E}">
+        <p14:creationId xmlns:p14="http://schemas.microsoft.com/office/powerpoint/2010/main" val="4171862024"/>
+      </p:ext>
+    </p:extLst>
+  </p:cSld>
+  <p:clrMapOvr>
+    <a:masterClrMapping/>
+  </p:clrMapOvr>
+</p:sld>
+</file>
+
+<file path=ppt/slides/slide9.xml><?xml version="1.0" encoding="utf-8"?>
+<p:sld xmlns:a="http://schemas.openxmlformats.org/drawingml/2006/main" xmlns:r="http://schemas.openxmlformats.org/officeDocument/2006/relationships" xmlns:p="http://schemas.openxmlformats.org/presentationml/2006/main">
+  <p:cSld>
+    <p:spTree>
+      <p:nvGrpSpPr>
+        <p:cNvPr id="1" name=""/>
+        <p:cNvGrpSpPr/>
+        <p:nvPr/>
+      </p:nvGrpSpPr>
+      <p:grpSpPr>
+        <a:xfrm>
+          <a:off x="0" y="0"/>
+          <a:ext cx="0" cy="0"/>
+          <a:chOff x="0" y="0"/>
+          <a:chExt cx="0" cy="0"/>
+        </a:xfrm>
+      </p:grpSpPr>
+      <p:sp>
+        <p:nvSpPr>
+          <p:cNvPr id="2" name="제목 1"/>
+          <p:cNvSpPr>
+            <a:spLocks noGrp="1"/>
+          </p:cNvSpPr>
+          <p:nvPr>
+            <p:ph type="title"/>
+          </p:nvPr>
+        </p:nvSpPr>
+        <p:spPr/>
+        <p:txBody>
+          <a:bodyPr/>
+          <a:lstStyle/>
+          <a:p>
+            <a:r>
+              <a:rPr lang="en-US" altLang="ko-KR" dirty="0" smtClean="0"/>
+              <a:t>VR</a:t>
+            </a:r>
+            <a:r>
+              <a:rPr lang="ko-KR" altLang="en-US" dirty="0" smtClean="0"/>
+              <a:t>용 </a:t>
+            </a:r>
+            <a:r>
+              <a:rPr lang="en-US" altLang="ko-KR" dirty="0" smtClean="0"/>
+              <a:t>Overlay UI </a:t>
+            </a:r>
+            <a:r>
+              <a:rPr lang="ko-KR" altLang="en-US" dirty="0" smtClean="0"/>
+              <a:t>제작 </a:t>
+            </a:r>
+            <a:r>
+              <a:rPr lang="ko-KR" altLang="en-US" sz="3200" dirty="0" err="1" smtClean="0"/>
+              <a:t>하기전에</a:t>
+            </a:r>
+            <a:r>
+              <a:rPr lang="ko-KR" altLang="en-US" sz="3200" dirty="0" smtClean="0"/>
+              <a:t> </a:t>
+            </a:r>
+            <a:r>
+              <a:rPr lang="ko-KR" altLang="en-US" sz="3200" dirty="0" err="1" smtClean="0"/>
+              <a:t>알아야할것들</a:t>
+            </a:r>
+            <a:endParaRPr lang="ko-KR" altLang="en-US" sz="3200" dirty="0"/>
+          </a:p>
+        </p:txBody>
+      </p:sp>
+      <p:sp>
+        <p:nvSpPr>
+          <p:cNvPr id="3" name="내용 개체 틀 2"/>
+          <p:cNvSpPr>
+            <a:spLocks noGrp="1"/>
+          </p:cNvSpPr>
+          <p:nvPr>
+            <p:ph idx="1"/>
+          </p:nvPr>
+        </p:nvSpPr>
+        <p:spPr/>
+        <p:txBody>
+          <a:bodyPr/>
+          <a:lstStyle/>
+          <a:p>
+            <a:r>
+              <a:rPr lang="ko-KR" altLang="en-US" dirty="0" smtClean="0"/>
+              <a:t>그래서</a:t>
+            </a:r>
+            <a:r>
+              <a:rPr lang="en-US" altLang="ko-KR" dirty="0"/>
+              <a:t> </a:t>
+            </a:r>
+            <a:r>
+              <a:rPr lang="en-US" altLang="ko-KR" dirty="0" smtClean="0"/>
+              <a:t>UI </a:t>
+            </a:r>
+            <a:r>
+              <a:rPr lang="ko-KR" altLang="en-US" dirty="0" smtClean="0"/>
+              <a:t>캔버스의 모드를 </a:t>
+            </a:r>
+            <a:r>
+              <a:rPr lang="en-US" altLang="ko-KR" dirty="0" smtClean="0"/>
+              <a:t>World Space</a:t>
+            </a:r>
+            <a:r>
+              <a:rPr lang="ko-KR" altLang="en-US" dirty="0" smtClean="0"/>
+              <a:t>로 바꾸고 카메라에 </a:t>
+            </a:r>
+            <a:r>
+              <a:rPr lang="ko-KR" altLang="en-US" dirty="0" err="1" smtClean="0"/>
+              <a:t>상속시켜야함</a:t>
+            </a:r>
+            <a:endParaRPr lang="en-US" altLang="ko-KR" dirty="0" smtClean="0"/>
+          </a:p>
+          <a:p>
+            <a:r>
+              <a:rPr lang="ko-KR" altLang="en-US" dirty="0" smtClean="0"/>
+              <a:t>문제가 있다면 특정 오브젝트에 가려질 수 </a:t>
+            </a:r>
+            <a:r>
+              <a:rPr lang="ko-KR" altLang="en-US" dirty="0" err="1" smtClean="0"/>
+              <a:t>있다는건데</a:t>
+            </a:r>
+            <a:r>
+              <a:rPr lang="en-US" altLang="ko-KR" dirty="0" smtClean="0"/>
+              <a:t>, </a:t>
+            </a:r>
+            <a:r>
+              <a:rPr lang="ko-KR" altLang="en-US" dirty="0" err="1" smtClean="0"/>
+              <a:t>쉐이더를</a:t>
+            </a:r>
+            <a:r>
+              <a:rPr lang="ko-KR" altLang="en-US" dirty="0"/>
+              <a:t> </a:t>
+            </a:r>
+            <a:r>
+              <a:rPr lang="ko-KR" altLang="en-US" dirty="0" smtClean="0"/>
+              <a:t>짜서 해결 가능하지만</a:t>
+            </a:r>
+            <a:r>
+              <a:rPr lang="en-US" altLang="ko-KR" dirty="0" smtClean="0"/>
+              <a:t>, </a:t>
+            </a:r>
+            <a:r>
+              <a:rPr lang="ko-KR" altLang="en-US" dirty="0" smtClean="0"/>
+              <a:t>이건 </a:t>
+            </a:r>
+            <a:r>
+              <a:rPr lang="en-US" altLang="ko-KR" dirty="0" smtClean="0"/>
+              <a:t>VR</a:t>
+            </a:r>
+            <a:r>
+              <a:rPr lang="ko-KR" altLang="en-US" dirty="0" smtClean="0"/>
+              <a:t>수업이므로 </a:t>
+            </a:r>
+            <a:r>
+              <a:rPr lang="ko-KR" altLang="en-US" dirty="0" err="1" smtClean="0"/>
+              <a:t>에셋을</a:t>
+            </a:r>
+            <a:r>
+              <a:rPr lang="ko-KR" altLang="en-US" dirty="0" smtClean="0"/>
+              <a:t> 이용하여 해결하도록 하자</a:t>
+            </a:r>
+            <a:endParaRPr lang="en-US" altLang="ko-KR" dirty="0" smtClean="0"/>
+          </a:p>
+        </p:txBody>
+      </p:sp>
+    </p:spTree>
+    <p:extLst>
+      <p:ext uri="{BB962C8B-B14F-4D97-AF65-F5344CB8AC3E}">
+        <p14:creationId xmlns:p14="http://schemas.microsoft.com/office/powerpoint/2010/main" val="1793306674"/>
       </p:ext>
     </p:extLst>
   </p:cSld>

--- a/Class/VR수업2차_GVR.pptx
+++ b/Class/VR수업2차_GVR.pptx
@@ -254,7 +254,7 @@
           <a:p>
             <a:fld id="{782E21D0-71D6-43F0-9DFF-D506A009DE11}" type="datetimeFigureOut">
               <a:rPr lang="ko-KR" altLang="en-US" smtClean="0"/>
-              <a:t>2018-11-22</a:t>
+              <a:t>2018-11-28</a:t>
             </a:fld>
             <a:endParaRPr lang="ko-KR" altLang="en-US"/>
           </a:p>
@@ -424,7 +424,7 @@
           <a:p>
             <a:fld id="{782E21D0-71D6-43F0-9DFF-D506A009DE11}" type="datetimeFigureOut">
               <a:rPr lang="ko-KR" altLang="en-US" smtClean="0"/>
-              <a:t>2018-11-22</a:t>
+              <a:t>2018-11-28</a:t>
             </a:fld>
             <a:endParaRPr lang="ko-KR" altLang="en-US"/>
           </a:p>
@@ -604,7 +604,7 @@
           <a:p>
             <a:fld id="{782E21D0-71D6-43F0-9DFF-D506A009DE11}" type="datetimeFigureOut">
               <a:rPr lang="ko-KR" altLang="en-US" smtClean="0"/>
-              <a:t>2018-11-22</a:t>
+              <a:t>2018-11-28</a:t>
             </a:fld>
             <a:endParaRPr lang="ko-KR" altLang="en-US"/>
           </a:p>
@@ -774,7 +774,7 @@
           <a:p>
             <a:fld id="{782E21D0-71D6-43F0-9DFF-D506A009DE11}" type="datetimeFigureOut">
               <a:rPr lang="ko-KR" altLang="en-US" smtClean="0"/>
-              <a:t>2018-11-22</a:t>
+              <a:t>2018-11-28</a:t>
             </a:fld>
             <a:endParaRPr lang="ko-KR" altLang="en-US"/>
           </a:p>
@@ -1020,7 +1020,7 @@
           <a:p>
             <a:fld id="{782E21D0-71D6-43F0-9DFF-D506A009DE11}" type="datetimeFigureOut">
               <a:rPr lang="ko-KR" altLang="en-US" smtClean="0"/>
-              <a:t>2018-11-22</a:t>
+              <a:t>2018-11-28</a:t>
             </a:fld>
             <a:endParaRPr lang="ko-KR" altLang="en-US"/>
           </a:p>
@@ -1252,7 +1252,7 @@
           <a:p>
             <a:fld id="{782E21D0-71D6-43F0-9DFF-D506A009DE11}" type="datetimeFigureOut">
               <a:rPr lang="ko-KR" altLang="en-US" smtClean="0"/>
-              <a:t>2018-11-22</a:t>
+              <a:t>2018-11-28</a:t>
             </a:fld>
             <a:endParaRPr lang="ko-KR" altLang="en-US"/>
           </a:p>
@@ -1619,7 +1619,7 @@
           <a:p>
             <a:fld id="{782E21D0-71D6-43F0-9DFF-D506A009DE11}" type="datetimeFigureOut">
               <a:rPr lang="ko-KR" altLang="en-US" smtClean="0"/>
-              <a:t>2018-11-22</a:t>
+              <a:t>2018-11-28</a:t>
             </a:fld>
             <a:endParaRPr lang="ko-KR" altLang="en-US"/>
           </a:p>
@@ -1737,7 +1737,7 @@
           <a:p>
             <a:fld id="{782E21D0-71D6-43F0-9DFF-D506A009DE11}" type="datetimeFigureOut">
               <a:rPr lang="ko-KR" altLang="en-US" smtClean="0"/>
-              <a:t>2018-11-22</a:t>
+              <a:t>2018-11-28</a:t>
             </a:fld>
             <a:endParaRPr lang="ko-KR" altLang="en-US"/>
           </a:p>
@@ -1832,7 +1832,7 @@
           <a:p>
             <a:fld id="{782E21D0-71D6-43F0-9DFF-D506A009DE11}" type="datetimeFigureOut">
               <a:rPr lang="ko-KR" altLang="en-US" smtClean="0"/>
-              <a:t>2018-11-22</a:t>
+              <a:t>2018-11-28</a:t>
             </a:fld>
             <a:endParaRPr lang="ko-KR" altLang="en-US"/>
           </a:p>
@@ -2109,7 +2109,7 @@
           <a:p>
             <a:fld id="{782E21D0-71D6-43F0-9DFF-D506A009DE11}" type="datetimeFigureOut">
               <a:rPr lang="ko-KR" altLang="en-US" smtClean="0"/>
-              <a:t>2018-11-22</a:t>
+              <a:t>2018-11-28</a:t>
             </a:fld>
             <a:endParaRPr lang="ko-KR" altLang="en-US"/>
           </a:p>
@@ -2362,7 +2362,7 @@
           <a:p>
             <a:fld id="{782E21D0-71D6-43F0-9DFF-D506A009DE11}" type="datetimeFigureOut">
               <a:rPr lang="ko-KR" altLang="en-US" smtClean="0"/>
-              <a:t>2018-11-22</a:t>
+              <a:t>2018-11-28</a:t>
             </a:fld>
             <a:endParaRPr lang="ko-KR" altLang="en-US"/>
           </a:p>
@@ -2575,7 +2575,7 @@
           <a:p>
             <a:fld id="{782E21D0-71D6-43F0-9DFF-D506A009DE11}" type="datetimeFigureOut">
               <a:rPr lang="ko-KR" altLang="en-US" smtClean="0"/>
-              <a:t>2018-11-22</a:t>
+              <a:t>2018-11-28</a:t>
             </a:fld>
             <a:endParaRPr lang="ko-KR" altLang="en-US"/>
           </a:p>
@@ -3700,11 +3700,7 @@
             </a:r>
             <a:r>
               <a:rPr lang="en-US" altLang="ko-KR" dirty="0" smtClean="0"/>
-              <a:t>VR</a:t>
-            </a:r>
-            <a:r>
-              <a:rPr lang="en-US" altLang="ko-KR" dirty="0" smtClean="0"/>
-              <a:t>AR</a:t>
+              <a:t>VRAR</a:t>
             </a:r>
             <a:r>
               <a:rPr lang="ko-KR" altLang="en-US" dirty="0" smtClean="0"/>
